--- a/Lending Club Case study.pptx
+++ b/Lending Club Case study.pptx
@@ -1649,7 +1649,7 @@
               </a:spcAft>
               <a:buNone/>
             </a:pPr>
-            <a:endParaRPr/>
+            <a:endParaRPr dirty="0"/>
           </a:p>
         </p:txBody>
       </p:sp>
@@ -10085,10 +10085,44 @@
               <a:buChar char="●"/>
             </a:pPr>
             <a:r>
-              <a:rPr lang="en" sz="1400"/>
+              <a:rPr lang="en" sz="1400" dirty="0"/>
               <a:t>The Problem</a:t>
             </a:r>
-            <a:endParaRPr sz="1400"/>
+            <a:endParaRPr sz="1400" dirty="0"/>
+          </a:p>
+          <a:p>
+            <a:pPr marL="457200" lvl="0" indent="-317500" algn="l" rtl="0">
+              <a:spcBef>
+                <a:spcPts val="0"/>
+              </a:spcBef>
+              <a:spcAft>
+                <a:spcPts val="0"/>
+              </a:spcAft>
+              <a:buSzPts val="1400"/>
+              <a:buChar char="●"/>
+            </a:pPr>
+            <a:r>
+              <a:rPr lang="en" sz="1400" dirty="0"/>
+              <a:t>Assumptions</a:t>
+            </a:r>
+            <a:endParaRPr sz="1800" dirty="0"/>
+          </a:p>
+          <a:p>
+            <a:pPr marL="457200" lvl="0" indent="-317500" algn="l" rtl="0">
+              <a:spcBef>
+                <a:spcPts val="0"/>
+              </a:spcBef>
+              <a:spcAft>
+                <a:spcPts val="0"/>
+              </a:spcAft>
+              <a:buSzPts val="1400"/>
+              <a:buChar char="●"/>
+            </a:pPr>
+            <a:r>
+              <a:rPr lang="en" sz="1400" dirty="0"/>
+              <a:t>Approach</a:t>
+            </a:r>
+            <a:endParaRPr sz="1400" dirty="0"/>
           </a:p>
           <a:p>
             <a:pPr marL="914400" lvl="1" indent="-317500" algn="l" rtl="0">
@@ -10102,10 +10136,9 @@
               <a:buChar char="○"/>
             </a:pPr>
             <a:r>
-              <a:rPr lang="en"/>
-              <a:t>Domain, Context and Problem Statement</a:t>
-            </a:r>
-            <a:endParaRPr/>
+              <a:rPr lang="en" sz="1400" dirty="0"/>
+              <a:t>Stages</a:t>
+            </a:r>
           </a:p>
           <a:p>
             <a:pPr marL="914400" lvl="1" indent="-317500" algn="l" rtl="0">
@@ -10119,10 +10152,61 @@
               <a:buChar char="○"/>
             </a:pPr>
             <a:r>
-              <a:rPr lang="en"/>
-              <a:t>Decision Matrix</a:t>
-            </a:r>
-            <a:endParaRPr sz="1400"/>
+              <a:rPr lang="en" dirty="0"/>
+              <a:t>Key Column Selection</a:t>
+            </a:r>
+            <a:endParaRPr sz="1400" dirty="0"/>
+          </a:p>
+          <a:p>
+            <a:pPr marL="914400" lvl="1" indent="-317500" algn="l" rtl="0">
+              <a:spcBef>
+                <a:spcPts val="0"/>
+              </a:spcBef>
+              <a:spcAft>
+                <a:spcPts val="0"/>
+              </a:spcAft>
+              <a:buSzPts val="1400"/>
+              <a:buChar char="○"/>
+            </a:pPr>
+            <a:r>
+              <a:rPr lang="en" dirty="0"/>
+              <a:t>Exclusions</a:t>
+            </a:r>
+            <a:endParaRPr sz="1400" dirty="0"/>
+          </a:p>
+          <a:p>
+            <a:pPr marL="914400" lvl="1" indent="-317500" algn="l" rtl="0">
+              <a:spcBef>
+                <a:spcPts val="0"/>
+              </a:spcBef>
+              <a:spcAft>
+                <a:spcPts val="0"/>
+              </a:spcAft>
+              <a:buSzPts val="1400"/>
+              <a:buChar char="○"/>
+            </a:pPr>
+            <a:r>
+              <a:rPr lang="en" dirty="0"/>
+              <a:t>Selection of Analysis Type</a:t>
+            </a:r>
+            <a:endParaRPr dirty="0"/>
+          </a:p>
+          <a:p>
+            <a:pPr marL="914400" lvl="1" indent="-317500" algn="l" rtl="0">
+              <a:spcBef>
+                <a:spcPts val="0"/>
+              </a:spcBef>
+              <a:spcAft>
+                <a:spcPts val="0"/>
+              </a:spcAft>
+              <a:buSzPts val="1400"/>
+              <a:buChar char="○"/>
+            </a:pPr>
+            <a:r>
+              <a:rPr lang="en" dirty="0"/>
+              <a:t>Analysis (Univariate, Bivariate, Multivariate)</a:t>
+            </a:r>
+            <a:endParaRPr dirty="0"/>
           </a:p>
           <a:p>
             <a:pPr marL="457200" lvl="0" indent="-317500" algn="l" rtl="0">
@@ -10136,10 +10220,10 @@
               <a:buChar char="●"/>
             </a:pPr>
             <a:r>
-              <a:rPr lang="en" sz="1400"/>
-              <a:t>Dataset understanding</a:t>
-            </a:r>
-            <a:endParaRPr sz="1400"/>
+              <a:rPr lang="en" sz="1400" dirty="0"/>
+              <a:t>Inferences</a:t>
+            </a:r>
+            <a:endParaRPr sz="1400" dirty="0"/>
           </a:p>
           <a:p>
             <a:pPr marL="457200" lvl="0" indent="-317500" algn="l" rtl="0">
@@ -10153,10 +10237,10 @@
               <a:buChar char="●"/>
             </a:pPr>
             <a:r>
-              <a:rPr lang="en" sz="1400"/>
-              <a:t>Assumptions</a:t>
-            </a:r>
-            <a:endParaRPr sz="1800"/>
+              <a:rPr lang="en" sz="1400" dirty="0"/>
+              <a:t>Result</a:t>
+            </a:r>
+            <a:endParaRPr sz="1400" dirty="0"/>
           </a:p>
           <a:p>
             <a:pPr marL="457200" lvl="0" indent="-317500" algn="l" rtl="0">
@@ -10170,10 +10254,10 @@
               <a:buChar char="●"/>
             </a:pPr>
             <a:r>
-              <a:rPr lang="en" sz="1400"/>
-              <a:t>Challenges deep dive</a:t>
-            </a:r>
-            <a:endParaRPr sz="1400"/>
+              <a:rPr lang="en" sz="1400" dirty="0"/>
+              <a:t>Recommendations</a:t>
+            </a:r>
+            <a:endParaRPr sz="1400" dirty="0"/>
           </a:p>
           <a:p>
             <a:pPr marL="457200" lvl="0" indent="-317500" algn="l" rtl="0">
@@ -10187,146 +10271,10 @@
               <a:buChar char="●"/>
             </a:pPr>
             <a:r>
-              <a:rPr lang="en" sz="1400"/>
-              <a:t>Approach</a:t>
-            </a:r>
-            <a:endParaRPr sz="1400"/>
-          </a:p>
-          <a:p>
-            <a:pPr marL="914400" lvl="1" indent="-317500" algn="l" rtl="0">
-              <a:spcBef>
-                <a:spcPts val="0"/>
-              </a:spcBef>
-              <a:spcAft>
-                <a:spcPts val="0"/>
-              </a:spcAft>
-              <a:buSzPts val="1400"/>
-              <a:buChar char="○"/>
-            </a:pPr>
-            <a:r>
-              <a:rPr lang="en" sz="1400"/>
-              <a:t>Key Columns</a:t>
-            </a:r>
-            <a:endParaRPr sz="1400"/>
-          </a:p>
-          <a:p>
-            <a:pPr marL="914400" lvl="1" indent="-317500" algn="l" rtl="0">
-              <a:spcBef>
-                <a:spcPts val="0"/>
-              </a:spcBef>
-              <a:spcAft>
-                <a:spcPts val="0"/>
-              </a:spcAft>
-              <a:buSzPts val="1400"/>
-              <a:buChar char="○"/>
-            </a:pPr>
-            <a:r>
-              <a:rPr lang="en" sz="1400"/>
-              <a:t>Excluded Columns</a:t>
-            </a:r>
-            <a:endParaRPr sz="1400"/>
-          </a:p>
-          <a:p>
-            <a:pPr marL="914400" lvl="1" indent="-317500" algn="l" rtl="0">
-              <a:spcBef>
-                <a:spcPts val="0"/>
-              </a:spcBef>
-              <a:spcAft>
-                <a:spcPts val="0"/>
-              </a:spcAft>
-              <a:buSzPts val="1400"/>
-              <a:buChar char="○"/>
-            </a:pPr>
-            <a:r>
-              <a:rPr lang="en"/>
-              <a:t>Data preprocessing</a:t>
-            </a:r>
-            <a:endParaRPr/>
-          </a:p>
-          <a:p>
-            <a:pPr marL="914400" lvl="1" indent="-317500" algn="l" rtl="0">
-              <a:spcBef>
-                <a:spcPts val="0"/>
-              </a:spcBef>
-              <a:spcAft>
-                <a:spcPts val="0"/>
-              </a:spcAft>
-              <a:buSzPts val="1400"/>
-              <a:buChar char="○"/>
-            </a:pPr>
-            <a:r>
-              <a:rPr lang="en"/>
-              <a:t>Analysis (Univariate, Bivariate, Multivariate)</a:t>
-            </a:r>
-            <a:endParaRPr/>
-          </a:p>
-          <a:p>
-            <a:pPr marL="457200" lvl="0" indent="-317500" algn="l" rtl="0">
-              <a:spcBef>
-                <a:spcPts val="0"/>
-              </a:spcBef>
-              <a:spcAft>
-                <a:spcPts val="0"/>
-              </a:spcAft>
-              <a:buSzPts val="1400"/>
-              <a:buChar char="●"/>
-            </a:pPr>
-            <a:r>
-              <a:rPr lang="en" sz="1400"/>
-              <a:t>Inferences</a:t>
-            </a:r>
-            <a:endParaRPr sz="1400"/>
-          </a:p>
-          <a:p>
-            <a:pPr marL="457200" lvl="0" indent="-317500" algn="l" rtl="0">
-              <a:spcBef>
-                <a:spcPts val="0"/>
-              </a:spcBef>
-              <a:spcAft>
-                <a:spcPts val="0"/>
-              </a:spcAft>
-              <a:buSzPts val="1400"/>
-              <a:buChar char="●"/>
-            </a:pPr>
-            <a:r>
-              <a:rPr lang="en" sz="1400"/>
-              <a:t>Result</a:t>
-            </a:r>
-            <a:endParaRPr sz="1400"/>
-          </a:p>
-          <a:p>
-            <a:pPr marL="457200" lvl="0" indent="-317500" algn="l" rtl="0">
-              <a:spcBef>
-                <a:spcPts val="0"/>
-              </a:spcBef>
-              <a:spcAft>
-                <a:spcPts val="0"/>
-              </a:spcAft>
-              <a:buSzPts val="1400"/>
-              <a:buChar char="●"/>
-            </a:pPr>
-            <a:r>
-              <a:rPr lang="en" sz="1400"/>
-              <a:t>Recommendations</a:t>
-            </a:r>
-            <a:endParaRPr sz="1400"/>
-          </a:p>
-          <a:p>
-            <a:pPr marL="457200" lvl="0" indent="-317500" algn="l" rtl="0">
-              <a:spcBef>
-                <a:spcPts val="0"/>
-              </a:spcBef>
-              <a:spcAft>
-                <a:spcPts val="0"/>
-              </a:spcAft>
-              <a:buSzPts val="1400"/>
-              <a:buChar char="●"/>
-            </a:pPr>
-            <a:r>
-              <a:rPr lang="en" sz="1400"/>
+              <a:rPr lang="en" sz="1400" dirty="0"/>
               <a:t>Team</a:t>
             </a:r>
-            <a:endParaRPr sz="1400"/>
+            <a:endParaRPr sz="1400" dirty="0"/>
           </a:p>
         </p:txBody>
       </p:sp>
@@ -12540,10 +12488,10 @@
               <a:buNone/>
             </a:pPr>
             <a:r>
-              <a:rPr lang="en" sz="1200" b="1" u="sng" dirty="0"/>
+              <a:rPr lang="en" sz="1100" b="1" u="sng" dirty="0"/>
               <a:t>Customer Demographics</a:t>
             </a:r>
-            <a:endParaRPr sz="1200" b="1" u="sng" dirty="0"/>
+            <a:endParaRPr sz="1100" b="1" u="sng" dirty="0"/>
           </a:p>
           <a:p>
             <a:pPr marL="457200" lvl="0" indent="-304800" algn="l" rtl="0">
@@ -12557,10 +12505,10 @@
               <a:buChar char="●"/>
             </a:pPr>
             <a:r>
-              <a:rPr lang="en" sz="1200" dirty="0"/>
+              <a:rPr lang="en" sz="1100" dirty="0"/>
               <a:t>Annual Income (annual_inc) </a:t>
             </a:r>
-            <a:endParaRPr sz="1200" dirty="0"/>
+            <a:endParaRPr sz="1100" dirty="0"/>
           </a:p>
           <a:p>
             <a:pPr marL="457200" lvl="0" indent="-304800" algn="l" rtl="0">
@@ -12574,19 +12522,19 @@
               <a:buChar char="●"/>
             </a:pPr>
             <a:r>
-              <a:rPr lang="en" sz="1200" dirty="0"/>
+              <a:rPr lang="en" sz="1100" dirty="0"/>
               <a:t>Home Ownership </a:t>
             </a:r>
             <a:r>
-              <a:rPr lang="en-US" sz="1200" dirty="0"/>
+              <a:rPr lang="en-US" sz="1100" dirty="0"/>
               <a:t>(</a:t>
             </a:r>
             <a:r>
-              <a:rPr lang="en-US" sz="1200" dirty="0" err="1"/>
+              <a:rPr lang="en-US" sz="1100" dirty="0" err="1"/>
               <a:t>home_ownership</a:t>
             </a:r>
             <a:r>
-              <a:rPr lang="en-US" sz="1200" dirty="0"/>
+              <a:rPr lang="en-US" sz="1100" dirty="0"/>
               <a:t>)</a:t>
             </a:r>
           </a:p>
@@ -12602,15 +12550,15 @@
               <a:buChar char="●"/>
             </a:pPr>
             <a:r>
-              <a:rPr lang="en-US" sz="1200" dirty="0"/>
+              <a:rPr lang="en-US" sz="1100" dirty="0"/>
               <a:t>Employment Length (</a:t>
             </a:r>
             <a:r>
-              <a:rPr lang="en-US" sz="1200" dirty="0" err="1"/>
+              <a:rPr lang="en-US" sz="1100" dirty="0" err="1"/>
               <a:t>emp_length</a:t>
             </a:r>
             <a:r>
-              <a:rPr lang="en-US" sz="1200" dirty="0"/>
+              <a:rPr lang="en-US" sz="1100" dirty="0"/>
               <a:t>)</a:t>
             </a:r>
           </a:p>
@@ -12626,15 +12574,15 @@
               <a:buChar char="●"/>
             </a:pPr>
             <a:r>
-              <a:rPr lang="en-US" sz="1200" dirty="0"/>
+              <a:rPr lang="en-US" sz="1100" dirty="0"/>
               <a:t>Debt to Income (</a:t>
             </a:r>
             <a:r>
-              <a:rPr lang="en-US" sz="1200" dirty="0" err="1"/>
+              <a:rPr lang="en-US" sz="1100" dirty="0" err="1"/>
               <a:t>dti</a:t>
             </a:r>
             <a:r>
-              <a:rPr lang="en-US" sz="1200" dirty="0"/>
+              <a:rPr lang="en-US" sz="1100" dirty="0"/>
               <a:t>)</a:t>
             </a:r>
           </a:p>
@@ -12650,19 +12598,19 @@
               <a:buChar char="●"/>
             </a:pPr>
             <a:r>
-              <a:rPr lang="en" sz="1200" dirty="0"/>
+              <a:rPr lang="en" sz="1100" dirty="0"/>
               <a:t>State</a:t>
             </a:r>
             <a:r>
-              <a:rPr lang="en-US" sz="1200" dirty="0"/>
+              <a:rPr lang="en-US" sz="1100" dirty="0"/>
               <a:t> (</a:t>
             </a:r>
             <a:r>
-              <a:rPr lang="en-US" sz="1200" dirty="0" err="1"/>
+              <a:rPr lang="en-US" sz="1100" dirty="0" err="1"/>
               <a:t>addr_state</a:t>
             </a:r>
             <a:r>
-              <a:rPr lang="en-US" sz="1200" dirty="0"/>
+              <a:rPr lang="en-US" sz="1100" dirty="0"/>
               <a:t>)</a:t>
             </a:r>
           </a:p>
@@ -12676,7 +12624,7 @@
               </a:spcAft>
               <a:buNone/>
             </a:pPr>
-            <a:endParaRPr lang="en-US" sz="1200" dirty="0"/>
+            <a:endParaRPr lang="en-US" sz="1100" dirty="0"/>
           </a:p>
         </p:txBody>
       </p:sp>
@@ -13430,7 +13378,7 @@
               <a:buNone/>
             </a:pPr>
             <a:r>
-              <a:rPr lang="en-US" sz="1200" b="1" u="sng" dirty="0"/>
+              <a:rPr lang="en-US" sz="1100" b="1" u="sng" dirty="0"/>
               <a:t>Derived Attributes</a:t>
             </a:r>
           </a:p>
@@ -13446,7 +13394,7 @@
               <a:buChar char="●"/>
             </a:pPr>
             <a:r>
-              <a:rPr lang="en-US" sz="1200" dirty="0"/>
+              <a:rPr lang="en-US" sz="1100" dirty="0"/>
               <a:t>Range bins for selected continuous data types </a:t>
             </a:r>
           </a:p>
@@ -13462,10 +13410,10 @@
               <a:buChar char="●"/>
             </a:pPr>
             <a:r>
-              <a:rPr lang="en-US" sz="1200" dirty="0"/>
+              <a:rPr lang="en-US" sz="1100" dirty="0"/>
               <a:t>Year and Month columns for selected date types.</a:t>
             </a:r>
-            <a:endParaRPr lang="en-US" sz="1200" b="1" u="sng" dirty="0"/>
+            <a:endParaRPr lang="en-US" sz="1100" b="1" u="sng" dirty="0"/>
           </a:p>
         </p:txBody>
       </p:sp>
@@ -13530,7 +13478,7 @@
             </a:pPr>
             <a:r>
               <a:rPr lang="en" dirty="0"/>
-              <a:t>Exclusion Made</a:t>
+              <a:t>Exclusions</a:t>
             </a:r>
             <a:endParaRPr dirty="0"/>
           </a:p>
@@ -13971,6 +13919,41 @@
               <a:t>Rows corresponding to outliers for various continous attributes.</a:t>
             </a:r>
             <a:endParaRPr lang="en-US" sz="1100" dirty="0"/>
+          </a:p>
+        </p:txBody>
+      </p:sp>
+      <p:sp>
+        <p:nvSpPr>
+          <p:cNvPr id="3" name="TextBox 2">
+            <a:extLst>
+              <a:ext uri="{FF2B5EF4-FFF2-40B4-BE49-F238E27FC236}">
+                <a16:creationId xmlns:a16="http://schemas.microsoft.com/office/drawing/2014/main" id="{28969229-9045-E7B9-07B7-3E09899B0B93}"/>
+              </a:ext>
+            </a:extLst>
+          </p:cNvPr>
+          <p:cNvSpPr txBox="1"/>
+          <p:nvPr/>
+        </p:nvSpPr>
+        <p:spPr>
+          <a:xfrm>
+            <a:off x="378020" y="4615497"/>
+            <a:ext cx="2961067" cy="246221"/>
+          </a:xfrm>
+          <a:prstGeom prst="rect">
+            <a:avLst/>
+          </a:prstGeom>
+          <a:noFill/>
+        </p:spPr>
+        <p:txBody>
+          <a:bodyPr wrap="none" rtlCol="0">
+            <a:spAutoFit/>
+          </a:bodyPr>
+          <a:lstStyle/>
+          <a:p>
+            <a:r>
+              <a:rPr lang="en-US" sz="1000" dirty="0"/>
+              <a:t>- Above exclusion based on assumptions made.</a:t>
+            </a:r>
           </a:p>
         </p:txBody>
       </p:sp>
